--- a/src/test/resources/META-INF/resources/ibx/testing/julian/ibx.pptx
+++ b/src/test/resources/META-INF/resources/ibx/testing/julian/ibx.pptx
@@ -288,6 +288,7 @@
           <a:p>
             <a:fld id="{33ECBB67-BF6B-4748-AA69-DB67964DB718}" type="datetimeFigureOut">
               <a:rPr lang="en-US" smtClean="0"/>
+              <a:pPr/>
               <a:t>3/22/2018</a:t>
             </a:fld>
             <a:endParaRPr lang="en-US"/>
@@ -330,6 +331,7 @@
           <a:p>
             <a:fld id="{1C6B0359-CEE0-4ABF-83F3-F81892468BA4}" type="slidenum">
               <a:rPr lang="en-US" smtClean="0"/>
+              <a:pPr/>
               <a:t>‹#›</a:t>
             </a:fld>
             <a:endParaRPr lang="en-US"/>
@@ -453,6 +455,7 @@
           <a:p>
             <a:fld id="{33ECBB67-BF6B-4748-AA69-DB67964DB718}" type="datetimeFigureOut">
               <a:rPr lang="en-US" smtClean="0"/>
+              <a:pPr/>
               <a:t>3/22/2018</a:t>
             </a:fld>
             <a:endParaRPr lang="en-US"/>
@@ -495,6 +498,7 @@
           <a:p>
             <a:fld id="{1C6B0359-CEE0-4ABF-83F3-F81892468BA4}" type="slidenum">
               <a:rPr lang="en-US" smtClean="0"/>
+              <a:pPr/>
               <a:t>‹#›</a:t>
             </a:fld>
             <a:endParaRPr lang="en-US"/>
@@ -628,6 +632,7 @@
           <a:p>
             <a:fld id="{33ECBB67-BF6B-4748-AA69-DB67964DB718}" type="datetimeFigureOut">
               <a:rPr lang="en-US" smtClean="0"/>
+              <a:pPr/>
               <a:t>3/22/2018</a:t>
             </a:fld>
             <a:endParaRPr lang="en-US"/>
@@ -670,6 +675,7 @@
           <a:p>
             <a:fld id="{1C6B0359-CEE0-4ABF-83F3-F81892468BA4}" type="slidenum">
               <a:rPr lang="en-US" smtClean="0"/>
+              <a:pPr/>
               <a:t>‹#›</a:t>
             </a:fld>
             <a:endParaRPr lang="en-US"/>
@@ -793,6 +799,7 @@
           <a:p>
             <a:fld id="{33ECBB67-BF6B-4748-AA69-DB67964DB718}" type="datetimeFigureOut">
               <a:rPr lang="en-US" smtClean="0"/>
+              <a:pPr/>
               <a:t>3/22/2018</a:t>
             </a:fld>
             <a:endParaRPr lang="en-US"/>
@@ -835,6 +842,7 @@
           <a:p>
             <a:fld id="{1C6B0359-CEE0-4ABF-83F3-F81892468BA4}" type="slidenum">
               <a:rPr lang="en-US" smtClean="0"/>
+              <a:pPr/>
               <a:t>‹#›</a:t>
             </a:fld>
             <a:endParaRPr lang="en-US"/>
@@ -1034,6 +1042,7 @@
           <a:p>
             <a:fld id="{33ECBB67-BF6B-4748-AA69-DB67964DB718}" type="datetimeFigureOut">
               <a:rPr lang="en-US" smtClean="0"/>
+              <a:pPr/>
               <a:t>3/22/2018</a:t>
             </a:fld>
             <a:endParaRPr lang="en-US"/>
@@ -1076,6 +1085,7 @@
           <a:p>
             <a:fld id="{1C6B0359-CEE0-4ABF-83F3-F81892468BA4}" type="slidenum">
               <a:rPr lang="en-US" smtClean="0"/>
+              <a:pPr/>
               <a:t>‹#›</a:t>
             </a:fld>
             <a:endParaRPr lang="en-US"/>
@@ -1317,6 +1327,7 @@
           <a:p>
             <a:fld id="{33ECBB67-BF6B-4748-AA69-DB67964DB718}" type="datetimeFigureOut">
               <a:rPr lang="en-US" smtClean="0"/>
+              <a:pPr/>
               <a:t>3/22/2018</a:t>
             </a:fld>
             <a:endParaRPr lang="en-US"/>
@@ -1359,6 +1370,7 @@
           <a:p>
             <a:fld id="{1C6B0359-CEE0-4ABF-83F3-F81892468BA4}" type="slidenum">
               <a:rPr lang="en-US" smtClean="0"/>
+              <a:pPr/>
               <a:t>‹#›</a:t>
             </a:fld>
             <a:endParaRPr lang="en-US"/>
@@ -1734,6 +1746,7 @@
           <a:p>
             <a:fld id="{33ECBB67-BF6B-4748-AA69-DB67964DB718}" type="datetimeFigureOut">
               <a:rPr lang="en-US" smtClean="0"/>
+              <a:pPr/>
               <a:t>3/22/2018</a:t>
             </a:fld>
             <a:endParaRPr lang="en-US"/>
@@ -1776,6 +1789,7 @@
           <a:p>
             <a:fld id="{1C6B0359-CEE0-4ABF-83F3-F81892468BA4}" type="slidenum">
               <a:rPr lang="en-US" smtClean="0"/>
+              <a:pPr/>
               <a:t>‹#›</a:t>
             </a:fld>
             <a:endParaRPr lang="en-US"/>
@@ -1847,6 +1861,7 @@
           <a:p>
             <a:fld id="{33ECBB67-BF6B-4748-AA69-DB67964DB718}" type="datetimeFigureOut">
               <a:rPr lang="en-US" smtClean="0"/>
+              <a:pPr/>
               <a:t>3/22/2018</a:t>
             </a:fld>
             <a:endParaRPr lang="en-US"/>
@@ -1889,6 +1904,7 @@
           <a:p>
             <a:fld id="{1C6B0359-CEE0-4ABF-83F3-F81892468BA4}" type="slidenum">
               <a:rPr lang="en-US" smtClean="0"/>
+              <a:pPr/>
               <a:t>‹#›</a:t>
             </a:fld>
             <a:endParaRPr lang="en-US"/>
@@ -1937,6 +1953,7 @@
           <a:p>
             <a:fld id="{33ECBB67-BF6B-4748-AA69-DB67964DB718}" type="datetimeFigureOut">
               <a:rPr lang="en-US" smtClean="0"/>
+              <a:pPr/>
               <a:t>3/22/2018</a:t>
             </a:fld>
             <a:endParaRPr lang="en-US"/>
@@ -1979,6 +1996,7 @@
           <a:p>
             <a:fld id="{1C6B0359-CEE0-4ABF-83F3-F81892468BA4}" type="slidenum">
               <a:rPr lang="en-US" smtClean="0"/>
+              <a:pPr/>
               <a:t>‹#›</a:t>
             </a:fld>
             <a:endParaRPr lang="en-US"/>
@@ -2209,6 +2227,7 @@
           <a:p>
             <a:fld id="{33ECBB67-BF6B-4748-AA69-DB67964DB718}" type="datetimeFigureOut">
               <a:rPr lang="en-US" smtClean="0"/>
+              <a:pPr/>
               <a:t>3/22/2018</a:t>
             </a:fld>
             <a:endParaRPr lang="en-US"/>
@@ -2251,6 +2270,7 @@
           <a:p>
             <a:fld id="{1C6B0359-CEE0-4ABF-83F3-F81892468BA4}" type="slidenum">
               <a:rPr lang="en-US" smtClean="0"/>
+              <a:pPr/>
               <a:t>‹#›</a:t>
             </a:fld>
             <a:endParaRPr lang="en-US"/>
@@ -2457,6 +2477,7 @@
           <a:p>
             <a:fld id="{33ECBB67-BF6B-4748-AA69-DB67964DB718}" type="datetimeFigureOut">
               <a:rPr lang="en-US" smtClean="0"/>
+              <a:pPr/>
               <a:t>3/22/2018</a:t>
             </a:fld>
             <a:endParaRPr lang="en-US"/>
@@ -2499,6 +2520,7 @@
           <a:p>
             <a:fld id="{1C6B0359-CEE0-4ABF-83F3-F81892468BA4}" type="slidenum">
               <a:rPr lang="en-US" smtClean="0"/>
+              <a:pPr/>
               <a:t>‹#›</a:t>
             </a:fld>
             <a:endParaRPr lang="en-US"/>
@@ -2665,6 +2687,7 @@
           <a:p>
             <a:fld id="{33ECBB67-BF6B-4748-AA69-DB67964DB718}" type="datetimeFigureOut">
               <a:rPr lang="en-US" smtClean="0"/>
+              <a:pPr/>
               <a:t>3/22/2018</a:t>
             </a:fld>
             <a:endParaRPr lang="en-US"/>
@@ -2743,6 +2766,7 @@
           <a:p>
             <a:fld id="{1C6B0359-CEE0-4ABF-83F3-F81892468BA4}" type="slidenum">
               <a:rPr lang="en-US" smtClean="0"/>
+              <a:pPr/>
               <a:t>‹#›</a:t>
             </a:fld>
             <a:endParaRPr lang="en-US"/>
@@ -3043,7 +3067,7 @@
         </p:nvSpPr>
         <p:spPr>
           <a:xfrm>
-            <a:off x="533400" y="1752600"/>
+            <a:off x="533400" y="1600200"/>
             <a:ext cx="609600" cy="838200"/>
           </a:xfrm>
           <a:prstGeom prst="can">
@@ -3089,7 +3113,7 @@
         </p:nvSpPr>
         <p:spPr>
           <a:xfrm>
-            <a:off x="152400" y="2895600"/>
+            <a:off x="152400" y="2743200"/>
             <a:ext cx="1371600" cy="1524000"/>
           </a:xfrm>
           <a:prstGeom prst="rect">
@@ -3184,8 +3208,8 @@
         </p:nvSpPr>
         <p:spPr>
           <a:xfrm>
-            <a:off x="4953000" y="2057400"/>
-            <a:ext cx="1295400" cy="228600"/>
+            <a:off x="4953000" y="1905000"/>
+            <a:ext cx="914400" cy="228600"/>
           </a:xfrm>
           <a:prstGeom prst="rect">
             <a:avLst/>
@@ -3229,7 +3253,7 @@
         </p:nvSpPr>
         <p:spPr>
           <a:xfrm>
-            <a:off x="2209800" y="1447800"/>
+            <a:off x="2209800" y="1295400"/>
             <a:ext cx="1066800" cy="381000"/>
           </a:xfrm>
           <a:prstGeom prst="rect">
@@ -3290,7 +3314,7 @@
         </p:nvSpPr>
         <p:spPr>
           <a:xfrm>
-            <a:off x="2209800" y="1981200"/>
+            <a:off x="2209800" y="1828800"/>
             <a:ext cx="1066800" cy="381000"/>
           </a:xfrm>
           <a:prstGeom prst="rect">
@@ -3351,7 +3375,7 @@
         </p:nvSpPr>
         <p:spPr>
           <a:xfrm>
-            <a:off x="2209800" y="2514600"/>
+            <a:off x="2209800" y="2362200"/>
             <a:ext cx="1066800" cy="381000"/>
           </a:xfrm>
           <a:prstGeom prst="rect">
@@ -3415,7 +3439,7 @@
         </p:nvCxnSpPr>
         <p:spPr>
           <a:xfrm flipH="1">
-            <a:off x="1143000" y="2171700"/>
+            <a:off x="1143000" y="2019300"/>
             <a:ext cx="1066800" cy="0"/>
           </a:xfrm>
           <a:prstGeom prst="straightConnector1">
@@ -3452,7 +3476,7 @@
         </p:nvCxnSpPr>
         <p:spPr>
           <a:xfrm flipH="1">
-            <a:off x="1143000" y="1638300"/>
+            <a:off x="1143000" y="1485900"/>
             <a:ext cx="1066800" cy="533400"/>
           </a:xfrm>
           <a:prstGeom prst="straightConnector1">
@@ -3489,7 +3513,7 @@
         </p:nvCxnSpPr>
         <p:spPr>
           <a:xfrm flipH="1" flipV="1">
-            <a:off x="1143000" y="2171700"/>
+            <a:off x="1143000" y="2019300"/>
             <a:ext cx="1066800" cy="533400"/>
           </a:xfrm>
           <a:prstGeom prst="straightConnector1">
@@ -3523,7 +3547,7 @@
         </p:nvSpPr>
         <p:spPr>
           <a:xfrm>
-            <a:off x="3581400" y="1981200"/>
+            <a:off x="3581400" y="1828800"/>
             <a:ext cx="1066800" cy="381000"/>
           </a:xfrm>
           <a:prstGeom prst="rect">
@@ -3587,7 +3611,7 @@
         </p:nvCxnSpPr>
         <p:spPr>
           <a:xfrm>
-            <a:off x="3276600" y="1638300"/>
+            <a:off x="3276600" y="1485900"/>
             <a:ext cx="304800" cy="533400"/>
           </a:xfrm>
           <a:prstGeom prst="straightConnector1">
@@ -3624,7 +3648,7 @@
         </p:nvCxnSpPr>
         <p:spPr>
           <a:xfrm>
-            <a:off x="3276600" y="2171700"/>
+            <a:off x="3276600" y="2019300"/>
             <a:ext cx="304800" cy="0"/>
           </a:xfrm>
           <a:prstGeom prst="straightConnector1">
@@ -3661,7 +3685,7 @@
         </p:nvCxnSpPr>
         <p:spPr>
           <a:xfrm flipV="1">
-            <a:off x="3276600" y="2171700"/>
+            <a:off x="3276600" y="2019300"/>
             <a:ext cx="304800" cy="533400"/>
           </a:xfrm>
           <a:prstGeom prst="straightConnector1">
@@ -3698,7 +3722,7 @@
         </p:nvCxnSpPr>
         <p:spPr>
           <a:xfrm>
-            <a:off x="838200" y="2590800"/>
+            <a:off x="838200" y="2438400"/>
             <a:ext cx="0" cy="304800"/>
           </a:xfrm>
           <a:prstGeom prst="straightConnector1">
@@ -3735,7 +3759,7 @@
         </p:nvCxnSpPr>
         <p:spPr>
           <a:xfrm>
-            <a:off x="4648200" y="2171700"/>
+            <a:off x="4648200" y="2019300"/>
             <a:ext cx="304800" cy="0"/>
           </a:xfrm>
           <a:prstGeom prst="straightConnector1">
@@ -3761,91 +3785,6 @@
           </a:fontRef>
         </p:style>
       </p:cxnSp>
-      <p:grpSp>
-        <p:nvGrpSpPr>
-          <p:cNvPr id="140" name="Group 139"/>
-          <p:cNvGrpSpPr/>
-          <p:nvPr/>
-        </p:nvGrpSpPr>
-        <p:grpSpPr>
-          <a:xfrm>
-            <a:off x="1981200" y="838200"/>
-            <a:ext cx="6553200" cy="2514600"/>
-            <a:chOff x="3886200" y="990600"/>
-            <a:chExt cx="1676400" cy="2590800"/>
-          </a:xfrm>
-        </p:grpSpPr>
-        <p:sp>
-          <p:nvSpPr>
-            <p:cNvPr id="138" name="Rectangle 137"/>
-            <p:cNvSpPr/>
-            <p:nvPr/>
-          </p:nvSpPr>
-          <p:spPr>
-            <a:xfrm>
-              <a:off x="3886200" y="990600"/>
-              <a:ext cx="1676400" cy="2590800"/>
-            </a:xfrm>
-            <a:prstGeom prst="rect">
-              <a:avLst/>
-            </a:prstGeom>
-            <a:noFill/>
-          </p:spPr>
-          <p:style>
-            <a:lnRef idx="2">
-              <a:schemeClr val="dk1"/>
-            </a:lnRef>
-            <a:fillRef idx="1">
-              <a:schemeClr val="lt1"/>
-            </a:fillRef>
-            <a:effectRef idx="0">
-              <a:schemeClr val="dk1"/>
-            </a:effectRef>
-            <a:fontRef idx="minor">
-              <a:schemeClr val="dk1"/>
-            </a:fontRef>
-          </p:style>
-          <p:txBody>
-            <a:bodyPr rtlCol="0" anchor="ctr"/>
-            <a:lstStyle/>
-            <a:p>
-              <a:pPr algn="ctr"/>
-              <a:endParaRPr lang="en-US" dirty="0"/>
-            </a:p>
-          </p:txBody>
-        </p:sp>
-        <p:sp>
-          <p:nvSpPr>
-            <p:cNvPr id="139" name="TextBox 138"/>
-            <p:cNvSpPr txBox="1"/>
-            <p:nvPr/>
-          </p:nvSpPr>
-          <p:spPr>
-            <a:xfrm>
-              <a:off x="3886200" y="1066800"/>
-              <a:ext cx="1676400" cy="597966"/>
-            </a:xfrm>
-            <a:prstGeom prst="rect">
-              <a:avLst/>
-            </a:prstGeom>
-            <a:noFill/>
-          </p:spPr>
-          <p:txBody>
-            <a:bodyPr wrap="square" rtlCol="0">
-              <a:spAutoFit/>
-            </a:bodyPr>
-            <a:lstStyle/>
-            <a:p>
-              <a:pPr algn="ctr"/>
-              <a:r>
-                <a:rPr lang="en-US" b="1" dirty="0" smtClean="0"/>
-                <a:t>IBX</a:t>
-              </a:r>
-              <a:endParaRPr lang="en-US" b="1" dirty="0"/>
-            </a:p>
-          </p:txBody>
-        </p:sp>
-      </p:grpSp>
       <p:sp>
         <p:nvSpPr>
           <p:cNvPr id="158" name="Rectangle 157"/>
@@ -3854,8 +3793,8 @@
         </p:nvSpPr>
         <p:spPr>
           <a:xfrm>
-            <a:off x="7162800" y="2057400"/>
-            <a:ext cx="1143000" cy="228600"/>
+            <a:off x="4953000" y="2286000"/>
+            <a:ext cx="914400" cy="228600"/>
           </a:xfrm>
           <a:prstGeom prst="rect">
             <a:avLst/>
@@ -3888,19 +3827,24 @@
               </a:rPr>
               <a:t>Preprocessor</a:t>
             </a:r>
-          </a:p>
-        </p:txBody>
-      </p:sp>
-      <p:sp>
-        <p:nvSpPr>
-          <p:cNvPr id="160" name="Rectangle 159"/>
+            <a:endParaRPr lang="en-US" sz="1000" dirty="0" smtClean="0">
+              <a:solidFill>
+                <a:schemeClr val="tx1"/>
+              </a:solidFill>
+            </a:endParaRPr>
+          </a:p>
+        </p:txBody>
+      </p:sp>
+      <p:sp>
+        <p:nvSpPr>
+          <p:cNvPr id="161" name="Rectangle 160"/>
           <p:cNvSpPr/>
           <p:nvPr/>
         </p:nvSpPr>
         <p:spPr>
           <a:xfrm>
-            <a:off x="7162800" y="2514600"/>
-            <a:ext cx="1143000" cy="228600"/>
+            <a:off x="5562600" y="2667000"/>
+            <a:ext cx="1295400" cy="228600"/>
           </a:xfrm>
           <a:prstGeom prst="rect">
             <a:avLst/>
@@ -3931,7 +3875,7 @@
                   <a:schemeClr val="tx1"/>
                 </a:solidFill>
               </a:rPr>
-              <a:t>Widget Library</a:t>
+              <a:t>Widgets</a:t>
             </a:r>
             <a:endParaRPr lang="en-US" sz="1000" dirty="0">
               <a:solidFill>
@@ -3943,14 +3887,14 @@
       </p:sp>
       <p:sp>
         <p:nvSpPr>
-          <p:cNvPr id="161" name="Rectangle 160"/>
+          <p:cNvPr id="175" name="Rectangle 174"/>
           <p:cNvSpPr/>
           <p:nvPr/>
         </p:nvSpPr>
         <p:spPr>
           <a:xfrm>
-            <a:off x="4953000" y="2514600"/>
-            <a:ext cx="1295400" cy="228600"/>
+            <a:off x="7086600" y="2667000"/>
+            <a:ext cx="1143000" cy="228600"/>
           </a:xfrm>
           <a:prstGeom prst="rect">
             <a:avLst/>
@@ -3981,7 +3925,7 @@
                   <a:schemeClr val="tx1"/>
                 </a:solidFill>
               </a:rPr>
-              <a:t>Strings (localization)</a:t>
+              <a:t>Compiler</a:t>
             </a:r>
             <a:endParaRPr lang="en-US" sz="1000" dirty="0">
               <a:solidFill>
@@ -3991,21 +3935,341 @@
           </a:p>
         </p:txBody>
       </p:sp>
+      <p:sp>
+        <p:nvSpPr>
+          <p:cNvPr id="209" name="Rectangle 208"/>
+          <p:cNvSpPr/>
+          <p:nvPr/>
+        </p:nvSpPr>
+        <p:spPr>
+          <a:xfrm>
+            <a:off x="1752600" y="304800"/>
+            <a:ext cx="7010400" cy="6324600"/>
+          </a:xfrm>
+          <a:prstGeom prst="rect">
+            <a:avLst/>
+          </a:prstGeom>
+          <a:noFill/>
+        </p:spPr>
+        <p:style>
+          <a:lnRef idx="2">
+            <a:schemeClr val="dk1"/>
+          </a:lnRef>
+          <a:fillRef idx="1">
+            <a:schemeClr val="lt1"/>
+          </a:fillRef>
+          <a:effectRef idx="0">
+            <a:schemeClr val="dk1"/>
+          </a:effectRef>
+          <a:fontRef idx="minor">
+            <a:schemeClr val="dk1"/>
+          </a:fontRef>
+        </p:style>
+        <p:txBody>
+          <a:bodyPr rtlCol="0" anchor="t"/>
+          <a:lstStyle/>
+          <a:p>
+            <a:pPr algn="ctr"/>
+            <a:r>
+              <a:rPr lang="en-US" sz="2400" b="1" dirty="0" smtClean="0"/>
+              <a:t>Browser</a:t>
+            </a:r>
+          </a:p>
+        </p:txBody>
+      </p:sp>
+      <p:sp>
+        <p:nvSpPr>
+          <p:cNvPr id="272" name="Rectangle 271"/>
+          <p:cNvSpPr/>
+          <p:nvPr/>
+        </p:nvSpPr>
+        <p:spPr>
+          <a:xfrm>
+            <a:off x="1905000" y="4876800"/>
+            <a:ext cx="6705600" cy="1524000"/>
+          </a:xfrm>
+          <a:prstGeom prst="rect">
+            <a:avLst/>
+          </a:prstGeom>
+        </p:spPr>
+        <p:style>
+          <a:lnRef idx="2">
+            <a:schemeClr val="dk1"/>
+          </a:lnRef>
+          <a:fillRef idx="1">
+            <a:schemeClr val="lt1"/>
+          </a:fillRef>
+          <a:effectRef idx="0">
+            <a:schemeClr val="dk1"/>
+          </a:effectRef>
+          <a:fontRef idx="minor">
+            <a:schemeClr val="dk1"/>
+          </a:fontRef>
+        </p:style>
+        <p:txBody>
+          <a:bodyPr rtlCol="0" anchor="ctr"/>
+          <a:lstStyle/>
+          <a:p>
+            <a:pPr algn="ctr"/>
+            <a:r>
+              <a:rPr lang="en-US" dirty="0" smtClean="0"/>
+              <a:t>Running IBX Application</a:t>
+            </a:r>
+            <a:endParaRPr lang="en-US" dirty="0"/>
+          </a:p>
+        </p:txBody>
+      </p:sp>
       <p:cxnSp>
         <p:nvCxnSpPr>
-          <p:cNvPr id="164" name="Straight Arrow Connector 163"/>
+          <p:cNvPr id="275" name="Straight Arrow Connector 274"/>
           <p:cNvCxnSpPr>
-            <a:stCxn id="18" idx="2"/>
-            <a:endCxn id="161" idx="0"/>
+            <a:stCxn id="127" idx="2"/>
+            <a:endCxn id="272" idx="0"/>
           </p:cNvCxnSpPr>
           <p:nvPr/>
         </p:nvCxnSpPr>
         <p:spPr>
           <a:xfrm>
-            <a:off x="5600700" y="2286000"/>
-            <a:ext cx="0" cy="228600"/>
+            <a:off x="5257800" y="4572000"/>
+            <a:ext cx="0" cy="304800"/>
           </a:xfrm>
           <a:prstGeom prst="straightConnector1">
+            <a:avLst/>
+          </a:prstGeom>
+          <a:ln>
+            <a:tailEnd type="arrow"/>
+          </a:ln>
+        </p:spPr>
+        <p:style>
+          <a:lnRef idx="1">
+            <a:schemeClr val="accent1"/>
+          </a:lnRef>
+          <a:fillRef idx="0">
+            <a:schemeClr val="accent1"/>
+          </a:fillRef>
+          <a:effectRef idx="0">
+            <a:schemeClr val="accent1"/>
+          </a:effectRef>
+          <a:fontRef idx="minor">
+            <a:schemeClr val="tx1"/>
+          </a:fontRef>
+        </p:style>
+      </p:cxnSp>
+      <p:sp>
+        <p:nvSpPr>
+          <p:cNvPr id="57" name="Rectangle 56"/>
+          <p:cNvSpPr/>
+          <p:nvPr/>
+        </p:nvSpPr>
+        <p:spPr>
+          <a:xfrm>
+            <a:off x="5562600" y="2971800"/>
+            <a:ext cx="1295400" cy="228600"/>
+          </a:xfrm>
+          <a:prstGeom prst="rect">
+            <a:avLst/>
+          </a:prstGeom>
+        </p:spPr>
+        <p:style>
+          <a:lnRef idx="2">
+            <a:schemeClr val="dk1"/>
+          </a:lnRef>
+          <a:fillRef idx="1">
+            <a:schemeClr val="lt1"/>
+          </a:fillRef>
+          <a:effectRef idx="0">
+            <a:schemeClr val="dk1"/>
+          </a:effectRef>
+          <a:fontRef idx="minor">
+            <a:schemeClr val="dk1"/>
+          </a:fontRef>
+        </p:style>
+        <p:txBody>
+          <a:bodyPr rtlCol="0" anchor="ctr"/>
+          <a:lstStyle/>
+          <a:p>
+            <a:pPr algn="ctr"/>
+            <a:r>
+              <a:rPr lang="en-US" sz="1000" dirty="0" smtClean="0">
+                <a:solidFill>
+                  <a:schemeClr val="tx1"/>
+                </a:solidFill>
+              </a:rPr>
+              <a:t>Scripts</a:t>
+            </a:r>
+            <a:endParaRPr lang="en-US" sz="1000" dirty="0">
+              <a:solidFill>
+                <a:schemeClr val="tx1"/>
+              </a:solidFill>
+            </a:endParaRPr>
+          </a:p>
+        </p:txBody>
+      </p:sp>
+      <p:sp>
+        <p:nvSpPr>
+          <p:cNvPr id="58" name="Rectangle 57"/>
+          <p:cNvSpPr/>
+          <p:nvPr/>
+        </p:nvSpPr>
+        <p:spPr>
+          <a:xfrm>
+            <a:off x="5562600" y="3276600"/>
+            <a:ext cx="1295400" cy="228600"/>
+          </a:xfrm>
+          <a:prstGeom prst="rect">
+            <a:avLst/>
+          </a:prstGeom>
+        </p:spPr>
+        <p:style>
+          <a:lnRef idx="2">
+            <a:schemeClr val="dk1"/>
+          </a:lnRef>
+          <a:fillRef idx="1">
+            <a:schemeClr val="lt1"/>
+          </a:fillRef>
+          <a:effectRef idx="0">
+            <a:schemeClr val="dk1"/>
+          </a:effectRef>
+          <a:fontRef idx="minor">
+            <a:schemeClr val="dk1"/>
+          </a:fontRef>
+        </p:style>
+        <p:txBody>
+          <a:bodyPr rtlCol="0" anchor="ctr"/>
+          <a:lstStyle/>
+          <a:p>
+            <a:pPr algn="ctr"/>
+            <a:r>
+              <a:rPr lang="en-US" sz="1000" dirty="0" smtClean="0">
+                <a:solidFill>
+                  <a:schemeClr val="tx1"/>
+                </a:solidFill>
+              </a:rPr>
+              <a:t>CSS</a:t>
+            </a:r>
+            <a:endParaRPr lang="en-US" sz="1000" dirty="0">
+              <a:solidFill>
+                <a:schemeClr val="tx1"/>
+              </a:solidFill>
+            </a:endParaRPr>
+          </a:p>
+        </p:txBody>
+      </p:sp>
+      <p:sp>
+        <p:nvSpPr>
+          <p:cNvPr id="59" name="Rectangle 58"/>
+          <p:cNvSpPr/>
+          <p:nvPr/>
+        </p:nvSpPr>
+        <p:spPr>
+          <a:xfrm>
+            <a:off x="5562600" y="3581400"/>
+            <a:ext cx="1295400" cy="228600"/>
+          </a:xfrm>
+          <a:prstGeom prst="rect">
+            <a:avLst/>
+          </a:prstGeom>
+        </p:spPr>
+        <p:style>
+          <a:lnRef idx="2">
+            <a:schemeClr val="dk1"/>
+          </a:lnRef>
+          <a:fillRef idx="1">
+            <a:schemeClr val="lt1"/>
+          </a:fillRef>
+          <a:effectRef idx="0">
+            <a:schemeClr val="dk1"/>
+          </a:effectRef>
+          <a:fontRef idx="minor">
+            <a:schemeClr val="dk1"/>
+          </a:fontRef>
+        </p:style>
+        <p:txBody>
+          <a:bodyPr rtlCol="0" anchor="ctr"/>
+          <a:lstStyle/>
+          <a:p>
+            <a:pPr algn="ctr"/>
+            <a:r>
+              <a:rPr lang="en-US" sz="1000" dirty="0" smtClean="0">
+                <a:solidFill>
+                  <a:schemeClr val="tx1"/>
+                </a:solidFill>
+              </a:rPr>
+              <a:t>Strings (localized)</a:t>
+            </a:r>
+            <a:endParaRPr lang="en-US" sz="1000" dirty="0">
+              <a:solidFill>
+                <a:schemeClr val="tx1"/>
+              </a:solidFill>
+            </a:endParaRPr>
+          </a:p>
+        </p:txBody>
+      </p:sp>
+      <p:sp>
+        <p:nvSpPr>
+          <p:cNvPr id="60" name="Rectangle 59"/>
+          <p:cNvSpPr/>
+          <p:nvPr/>
+        </p:nvSpPr>
+        <p:spPr>
+          <a:xfrm>
+            <a:off x="5562600" y="3886200"/>
+            <a:ext cx="1295400" cy="228600"/>
+          </a:xfrm>
+          <a:prstGeom prst="rect">
+            <a:avLst/>
+          </a:prstGeom>
+        </p:spPr>
+        <p:style>
+          <a:lnRef idx="2">
+            <a:schemeClr val="dk1"/>
+          </a:lnRef>
+          <a:fillRef idx="1">
+            <a:schemeClr val="lt1"/>
+          </a:fillRef>
+          <a:effectRef idx="0">
+            <a:schemeClr val="dk1"/>
+          </a:effectRef>
+          <a:fontRef idx="minor">
+            <a:schemeClr val="dk1"/>
+          </a:fontRef>
+        </p:style>
+        <p:txBody>
+          <a:bodyPr rtlCol="0" anchor="ctr"/>
+          <a:lstStyle/>
+          <a:p>
+            <a:pPr algn="ctr"/>
+            <a:r>
+              <a:rPr lang="en-US" sz="1000" dirty="0" smtClean="0">
+                <a:solidFill>
+                  <a:schemeClr val="tx1"/>
+                </a:solidFill>
+              </a:rPr>
+              <a:t>Markup</a:t>
+            </a:r>
+            <a:endParaRPr lang="en-US" sz="1000" dirty="0">
+              <a:solidFill>
+                <a:schemeClr val="tx1"/>
+              </a:solidFill>
+            </a:endParaRPr>
+          </a:p>
+        </p:txBody>
+      </p:sp>
+      <p:cxnSp>
+        <p:nvCxnSpPr>
+          <p:cNvPr id="68" name="Shape 67"/>
+          <p:cNvCxnSpPr>
+            <a:stCxn id="158" idx="2"/>
+            <a:endCxn id="161" idx="1"/>
+          </p:cNvCxnSpPr>
+          <p:nvPr/>
+        </p:nvCxnSpPr>
+        <p:spPr>
+          <a:xfrm rot="16200000" flipH="1">
+            <a:off x="5353050" y="2571750"/>
+            <a:ext cx="266700" cy="152400"/>
+          </a:xfrm>
+          <a:prstGeom prst="bentConnector2">
             <a:avLst/>
           </a:prstGeom>
           <a:ln>
@@ -4029,19 +4293,19 @@
       </p:cxnSp>
       <p:cxnSp>
         <p:nvCxnSpPr>
-          <p:cNvPr id="166" name="Straight Arrow Connector 165"/>
+          <p:cNvPr id="70" name="Shape 69"/>
           <p:cNvCxnSpPr>
-            <a:stCxn id="18" idx="3"/>
-            <a:endCxn id="158" idx="1"/>
+            <a:stCxn id="158" idx="2"/>
+            <a:endCxn id="57" idx="1"/>
           </p:cNvCxnSpPr>
           <p:nvPr/>
         </p:nvCxnSpPr>
         <p:spPr>
-          <a:xfrm>
-            <a:off x="6248400" y="2171700"/>
-            <a:ext cx="914400" cy="0"/>
-          </a:xfrm>
-          <a:prstGeom prst="straightConnector1">
+          <a:xfrm rot="16200000" flipH="1">
+            <a:off x="5200650" y="2724150"/>
+            <a:ext cx="571500" cy="152400"/>
+          </a:xfrm>
+          <a:prstGeom prst="bentConnector2">
             <a:avLst/>
           </a:prstGeom>
           <a:ln>
@@ -4065,17 +4329,125 @@
       </p:cxnSp>
       <p:cxnSp>
         <p:nvCxnSpPr>
-          <p:cNvPr id="168" name="Straight Arrow Connector 167"/>
+          <p:cNvPr id="72" name="Shape 71"/>
           <p:cNvCxnSpPr>
             <a:stCxn id="158" idx="2"/>
-            <a:endCxn id="160" idx="0"/>
+            <a:endCxn id="58" idx="1"/>
           </p:cNvCxnSpPr>
           <p:nvPr/>
         </p:nvCxnSpPr>
         <p:spPr>
+          <a:xfrm rot="16200000" flipH="1">
+            <a:off x="5048250" y="2876550"/>
+            <a:ext cx="876300" cy="152400"/>
+          </a:xfrm>
+          <a:prstGeom prst="bentConnector2">
+            <a:avLst/>
+          </a:prstGeom>
+          <a:ln>
+            <a:tailEnd type="arrow"/>
+          </a:ln>
+        </p:spPr>
+        <p:style>
+          <a:lnRef idx="1">
+            <a:schemeClr val="accent1"/>
+          </a:lnRef>
+          <a:fillRef idx="0">
+            <a:schemeClr val="accent1"/>
+          </a:fillRef>
+          <a:effectRef idx="0">
+            <a:schemeClr val="accent1"/>
+          </a:effectRef>
+          <a:fontRef idx="minor">
+            <a:schemeClr val="tx1"/>
+          </a:fontRef>
+        </p:style>
+      </p:cxnSp>
+      <p:cxnSp>
+        <p:nvCxnSpPr>
+          <p:cNvPr id="76" name="Shape 75"/>
+          <p:cNvCxnSpPr>
+            <a:stCxn id="158" idx="2"/>
+            <a:endCxn id="59" idx="1"/>
+          </p:cNvCxnSpPr>
+          <p:nvPr/>
+        </p:nvCxnSpPr>
+        <p:spPr>
+          <a:xfrm rot="16200000" flipH="1">
+            <a:off x="4895850" y="3028950"/>
+            <a:ext cx="1181100" cy="152400"/>
+          </a:xfrm>
+          <a:prstGeom prst="bentConnector2">
+            <a:avLst/>
+          </a:prstGeom>
+          <a:ln>
+            <a:tailEnd type="arrow"/>
+          </a:ln>
+        </p:spPr>
+        <p:style>
+          <a:lnRef idx="1">
+            <a:schemeClr val="accent1"/>
+          </a:lnRef>
+          <a:fillRef idx="0">
+            <a:schemeClr val="accent1"/>
+          </a:fillRef>
+          <a:effectRef idx="0">
+            <a:schemeClr val="accent1"/>
+          </a:effectRef>
+          <a:fontRef idx="minor">
+            <a:schemeClr val="tx1"/>
+          </a:fontRef>
+        </p:style>
+      </p:cxnSp>
+      <p:cxnSp>
+        <p:nvCxnSpPr>
+          <p:cNvPr id="80" name="Shape 79"/>
+          <p:cNvCxnSpPr>
+            <a:stCxn id="158" idx="2"/>
+            <a:endCxn id="60" idx="1"/>
+          </p:cNvCxnSpPr>
+          <p:nvPr/>
+        </p:nvCxnSpPr>
+        <p:spPr>
+          <a:xfrm rot="16200000" flipH="1">
+            <a:off x="4743450" y="3181350"/>
+            <a:ext cx="1485900" cy="152400"/>
+          </a:xfrm>
+          <a:prstGeom prst="bentConnector2">
+            <a:avLst/>
+          </a:prstGeom>
+          <a:ln>
+            <a:tailEnd type="arrow"/>
+          </a:ln>
+        </p:spPr>
+        <p:style>
+          <a:lnRef idx="1">
+            <a:schemeClr val="accent1"/>
+          </a:lnRef>
+          <a:fillRef idx="0">
+            <a:schemeClr val="accent1"/>
+          </a:fillRef>
+          <a:effectRef idx="0">
+            <a:schemeClr val="accent1"/>
+          </a:effectRef>
+          <a:fontRef idx="minor">
+            <a:schemeClr val="tx1"/>
+          </a:fontRef>
+        </p:style>
+      </p:cxnSp>
+      <p:cxnSp>
+        <p:nvCxnSpPr>
+          <p:cNvPr id="82" name="Straight Arrow Connector 81"/>
+          <p:cNvCxnSpPr>
+            <a:stCxn id="161" idx="3"/>
+            <a:endCxn id="175" idx="1"/>
+          </p:cNvCxnSpPr>
+          <p:nvPr/>
+        </p:nvCxnSpPr>
+        <p:spPr>
           <a:xfrm>
-            <a:off x="7734300" y="2286000"/>
-            <a:ext cx="0" cy="228600"/>
+            <a:off x="6858000" y="2781300"/>
+            <a:ext cx="228600" cy="0"/>
           </a:xfrm>
           <a:prstGeom prst="straightConnector1">
             <a:avLst/>
@@ -4099,69 +4471,19 @@
           </a:fontRef>
         </p:style>
       </p:cxnSp>
-      <p:sp>
-        <p:nvSpPr>
-          <p:cNvPr id="175" name="Rectangle 174"/>
-          <p:cNvSpPr/>
-          <p:nvPr/>
-        </p:nvSpPr>
-        <p:spPr>
-          <a:xfrm>
-            <a:off x="7162800" y="2971800"/>
-            <a:ext cx="1143000" cy="228600"/>
-          </a:xfrm>
-          <a:prstGeom prst="rect">
-            <a:avLst/>
-          </a:prstGeom>
-        </p:spPr>
-        <p:style>
-          <a:lnRef idx="2">
-            <a:schemeClr val="dk1"/>
-          </a:lnRef>
-          <a:fillRef idx="1">
-            <a:schemeClr val="lt1"/>
-          </a:fillRef>
-          <a:effectRef idx="0">
-            <a:schemeClr val="dk1"/>
-          </a:effectRef>
-          <a:fontRef idx="minor">
-            <a:schemeClr val="dk1"/>
-          </a:fontRef>
-        </p:style>
-        <p:txBody>
-          <a:bodyPr rtlCol="0" anchor="ctr"/>
-          <a:lstStyle/>
-          <a:p>
-            <a:pPr algn="ctr"/>
-            <a:r>
-              <a:rPr lang="en-US" sz="1000" dirty="0" smtClean="0">
-                <a:solidFill>
-                  <a:schemeClr val="tx1"/>
-                </a:solidFill>
-              </a:rPr>
-              <a:t>Compiler</a:t>
-            </a:r>
-            <a:endParaRPr lang="en-US" sz="1000" dirty="0">
-              <a:solidFill>
-                <a:schemeClr val="tx1"/>
-              </a:solidFill>
-            </a:endParaRPr>
-          </a:p>
-        </p:txBody>
-      </p:sp>
       <p:cxnSp>
         <p:nvCxnSpPr>
-          <p:cNvPr id="181" name="Straight Arrow Connector 180"/>
+          <p:cNvPr id="119" name="Straight Arrow Connector 118"/>
           <p:cNvCxnSpPr>
-            <a:stCxn id="160" idx="2"/>
-            <a:endCxn id="175" idx="0"/>
+            <a:stCxn id="18" idx="2"/>
+            <a:endCxn id="158" idx="0"/>
           </p:cNvCxnSpPr>
           <p:nvPr/>
         </p:nvCxnSpPr>
         <p:spPr>
           <a:xfrm>
-            <a:off x="7734300" y="2743200"/>
-            <a:ext cx="0" cy="228600"/>
+            <a:off x="5410200" y="2133600"/>
+            <a:ext cx="0" cy="152400"/>
           </a:xfrm>
           <a:prstGeom prst="straightConnector1">
             <a:avLst/>
@@ -4187,19 +4509,18 @@
       </p:cxnSp>
       <p:sp>
         <p:nvSpPr>
-          <p:cNvPr id="209" name="Rectangle 208"/>
+          <p:cNvPr id="122" name="Rectangle 121"/>
           <p:cNvSpPr/>
           <p:nvPr/>
         </p:nvSpPr>
         <p:spPr>
           <a:xfrm>
-            <a:off x="1752600" y="304800"/>
-            <a:ext cx="7010400" cy="6324600"/>
+            <a:off x="5562600" y="4191000"/>
+            <a:ext cx="1295400" cy="228600"/>
           </a:xfrm>
           <a:prstGeom prst="rect">
             <a:avLst/>
           </a:prstGeom>
-          <a:noFill/>
         </p:spPr>
         <p:style>
           <a:lnRef idx="2">
@@ -4216,74 +4537,41 @@
           </a:fontRef>
         </p:style>
         <p:txBody>
-          <a:bodyPr rtlCol="0" anchor="t"/>
+          <a:bodyPr rtlCol="0" anchor="ctr"/>
           <a:lstStyle/>
           <a:p>
             <a:pPr algn="ctr"/>
             <a:r>
-              <a:rPr lang="en-US" sz="2400" b="1" dirty="0" smtClean="0"/>
-              <a:t>Browser</a:t>
-            </a:r>
-          </a:p>
-        </p:txBody>
-      </p:sp>
-      <p:sp>
-        <p:nvSpPr>
-          <p:cNvPr id="272" name="Rectangle 271"/>
-          <p:cNvSpPr/>
-          <p:nvPr/>
-        </p:nvSpPr>
-        <p:spPr>
-          <a:xfrm>
-            <a:off x="1981200" y="3886200"/>
-            <a:ext cx="6553200" cy="2514600"/>
-          </a:xfrm>
-          <a:prstGeom prst="rect">
-            <a:avLst/>
-          </a:prstGeom>
-        </p:spPr>
-        <p:style>
-          <a:lnRef idx="2">
-            <a:schemeClr val="dk1"/>
-          </a:lnRef>
-          <a:fillRef idx="1">
-            <a:schemeClr val="lt1"/>
-          </a:fillRef>
-          <a:effectRef idx="0">
-            <a:schemeClr val="dk1"/>
-          </a:effectRef>
-          <a:fontRef idx="minor">
-            <a:schemeClr val="dk1"/>
-          </a:fontRef>
-        </p:style>
-        <p:txBody>
-          <a:bodyPr rtlCol="0" anchor="ctr"/>
-          <a:lstStyle/>
-          <a:p>
-            <a:pPr algn="ctr"/>
-            <a:r>
-              <a:rPr lang="en-US" dirty="0" smtClean="0"/>
-              <a:t>Running IBX Application</a:t>
-            </a:r>
-            <a:endParaRPr lang="en-US" dirty="0"/>
+              <a:rPr lang="en-US" sz="1000" dirty="0" smtClean="0">
+                <a:solidFill>
+                  <a:schemeClr val="tx1"/>
+                </a:solidFill>
+              </a:rPr>
+              <a:t>Custom</a:t>
+            </a:r>
+            <a:endParaRPr lang="en-US" sz="1000" dirty="0">
+              <a:solidFill>
+                <a:schemeClr val="tx1"/>
+              </a:solidFill>
+            </a:endParaRPr>
           </a:p>
         </p:txBody>
       </p:sp>
       <p:cxnSp>
         <p:nvCxnSpPr>
-          <p:cNvPr id="275" name="Straight Arrow Connector 274"/>
+          <p:cNvPr id="124" name="Shape 123"/>
           <p:cNvCxnSpPr>
-            <a:stCxn id="138" idx="2"/>
-            <a:endCxn id="272" idx="0"/>
+            <a:stCxn id="158" idx="2"/>
+            <a:endCxn id="122" idx="1"/>
           </p:cNvCxnSpPr>
           <p:nvPr/>
         </p:nvCxnSpPr>
         <p:spPr>
-          <a:xfrm>
-            <a:off x="5257800" y="3352800"/>
-            <a:ext cx="0" cy="533400"/>
-          </a:xfrm>
-          <a:prstGeom prst="straightConnector1">
+          <a:xfrm rot="16200000" flipH="1">
+            <a:off x="4591050" y="3333750"/>
+            <a:ext cx="1790700" cy="152400"/>
+          </a:xfrm>
+          <a:prstGeom prst="bentConnector2">
             <a:avLst/>
           </a:prstGeom>
           <a:ln>
@@ -4305,6 +4593,49 @@
           </a:fontRef>
         </p:style>
       </p:cxnSp>
+      <p:sp>
+        <p:nvSpPr>
+          <p:cNvPr id="127" name="Rectangle 126"/>
+          <p:cNvSpPr/>
+          <p:nvPr/>
+        </p:nvSpPr>
+        <p:spPr>
+          <a:xfrm>
+            <a:off x="1905000" y="762000"/>
+            <a:ext cx="6705600" cy="3810000"/>
+          </a:xfrm>
+          <a:prstGeom prst="rect">
+            <a:avLst/>
+          </a:prstGeom>
+          <a:noFill/>
+        </p:spPr>
+        <p:style>
+          <a:lnRef idx="2">
+            <a:schemeClr val="dk1"/>
+          </a:lnRef>
+          <a:fillRef idx="1">
+            <a:schemeClr val="lt1"/>
+          </a:fillRef>
+          <a:effectRef idx="0">
+            <a:schemeClr val="dk1"/>
+          </a:effectRef>
+          <a:fontRef idx="minor">
+            <a:schemeClr val="dk1"/>
+          </a:fontRef>
+        </p:style>
+        <p:txBody>
+          <a:bodyPr rtlCol="0" anchor="t"/>
+          <a:lstStyle/>
+          <a:p>
+            <a:pPr algn="ctr"/>
+            <a:r>
+              <a:rPr lang="en-US" sz="2400" b="1" dirty="0" smtClean="0"/>
+              <a:t>IBX</a:t>
+            </a:r>
+            <a:endParaRPr lang="en-US" sz="2400" b="1" dirty="0"/>
+          </a:p>
+        </p:txBody>
+      </p:sp>
     </p:spTree>
   </p:cSld>
   <p:clrMapOvr>
